--- a/ppt 16-9/1046.你们为什么愁.pptx
+++ b/ppt 16-9/1046.你们为什么愁.pptx
@@ -5,7 +5,7 @@
     <p:sldMasterId id="2147483648" r:id="rId1"/>
   </p:sldMasterIdLst>
   <p:sldIdLst>
-    <p:sldId id="482" r:id="rId2"/>
+    <p:sldId id="483" r:id="rId2"/>
   </p:sldIdLst>
   <p:sldSz cx="12192000" cy="6858000"/>
   <p:notesSz cx="6858000" cy="9144000"/>
@@ -129,7 +129,7 @@
           <p:cNvPr id="2" name="标题 1">
             <a:extLst>
               <a:ext uri="{FF2B5EF4-FFF2-40B4-BE49-F238E27FC236}">
-                <a16:creationId xmlns:a16="http://schemas.microsoft.com/office/drawing/2014/main" id="{55BCC6A8-07E0-1B93-87A9-9FB81E5A4028}"/>
+                <a16:creationId xmlns:a16="http://schemas.microsoft.com/office/drawing/2014/main" id="{DC0D65E8-C3F6-B96E-6AD2-4E9E7BFCF7AC}"/>
               </a:ext>
             </a:extLst>
           </p:cNvPr>
@@ -166,7 +166,7 @@
           <p:cNvPr id="3" name="副标题 2">
             <a:extLst>
               <a:ext uri="{FF2B5EF4-FFF2-40B4-BE49-F238E27FC236}">
-                <a16:creationId xmlns:a16="http://schemas.microsoft.com/office/drawing/2014/main" id="{C1AA1AA6-D1C3-8F17-F5C9-FE9CFCF88A72}"/>
+                <a16:creationId xmlns:a16="http://schemas.microsoft.com/office/drawing/2014/main" id="{0E42EB9E-EDC9-3D8A-3705-3E09CDD8C743}"/>
               </a:ext>
             </a:extLst>
           </p:cNvPr>
@@ -236,7 +236,7 @@
           <p:cNvPr id="4" name="日期占位符 3">
             <a:extLst>
               <a:ext uri="{FF2B5EF4-FFF2-40B4-BE49-F238E27FC236}">
-                <a16:creationId xmlns:a16="http://schemas.microsoft.com/office/drawing/2014/main" id="{A8FED25E-031C-A183-B506-0DC54BA78F18}"/>
+                <a16:creationId xmlns:a16="http://schemas.microsoft.com/office/drawing/2014/main" id="{3F97B36E-ACD3-3237-1B7C-EF6EDF88255F}"/>
               </a:ext>
             </a:extLst>
           </p:cNvPr>
@@ -252,7 +252,7 @@
           <a:bodyPr/>
           <a:lstStyle/>
           <a:p>
-            <a:fld id="{4C7F4836-609C-4EDC-808E-59C368ABA240}" type="datetimeFigureOut">
+            <a:fld id="{C6A9849B-DF5D-43FA-B684-BA8746B1768C}" type="datetimeFigureOut">
               <a:rPr lang="zh-CN" altLang="en-US" smtClean="0"/>
               <a:t>2024/3/10</a:t>
             </a:fld>
@@ -265,7 +265,7 @@
           <p:cNvPr id="5" name="页脚占位符 4">
             <a:extLst>
               <a:ext uri="{FF2B5EF4-FFF2-40B4-BE49-F238E27FC236}">
-                <a16:creationId xmlns:a16="http://schemas.microsoft.com/office/drawing/2014/main" id="{D290E615-DFC2-B7A1-8CF1-8AC71DBB22FA}"/>
+                <a16:creationId xmlns:a16="http://schemas.microsoft.com/office/drawing/2014/main" id="{8D6650AB-BE24-472B-6174-C794B52DAA83}"/>
               </a:ext>
             </a:extLst>
           </p:cNvPr>
@@ -290,7 +290,7 @@
           <p:cNvPr id="6" name="灯片编号占位符 5">
             <a:extLst>
               <a:ext uri="{FF2B5EF4-FFF2-40B4-BE49-F238E27FC236}">
-                <a16:creationId xmlns:a16="http://schemas.microsoft.com/office/drawing/2014/main" id="{4E065C9A-9767-9871-F2FA-1A3502A5972C}"/>
+                <a16:creationId xmlns:a16="http://schemas.microsoft.com/office/drawing/2014/main" id="{4BEBFFAC-1AF2-74FC-F226-19ACC34039A6}"/>
               </a:ext>
             </a:extLst>
           </p:cNvPr>
@@ -306,7 +306,7 @@
           <a:bodyPr/>
           <a:lstStyle/>
           <a:p>
-            <a:fld id="{C389AA8D-E2C8-4317-9B3C-E30D7EBA0A79}" type="slidenum">
+            <a:fld id="{AA08E4B8-2555-456D-8651-FBFF365514FB}" type="slidenum">
               <a:rPr lang="zh-CN" altLang="en-US" smtClean="0"/>
               <a:t>‹#›</a:t>
             </a:fld>
@@ -317,7 +317,7 @@
     </p:spTree>
     <p:extLst>
       <p:ext uri="{BB962C8B-B14F-4D97-AF65-F5344CB8AC3E}">
-        <p14:creationId xmlns:p14="http://schemas.microsoft.com/office/powerpoint/2010/main" val="3462359424"/>
+        <p14:creationId xmlns:p14="http://schemas.microsoft.com/office/powerpoint/2010/main" val="2237186429"/>
       </p:ext>
     </p:extLst>
   </p:cSld>
@@ -349,7 +349,7 @@
           <p:cNvPr id="2" name="标题 1">
             <a:extLst>
               <a:ext uri="{FF2B5EF4-FFF2-40B4-BE49-F238E27FC236}">
-                <a16:creationId xmlns:a16="http://schemas.microsoft.com/office/drawing/2014/main" id="{8C4FAAD9-7B9E-7ABB-C259-AAF97858B2E3}"/>
+                <a16:creationId xmlns:a16="http://schemas.microsoft.com/office/drawing/2014/main" id="{AAA52982-7021-26ED-E7D8-6E98E5DEA667}"/>
               </a:ext>
             </a:extLst>
           </p:cNvPr>
@@ -377,7 +377,7 @@
           <p:cNvPr id="3" name="竖排文字占位符 2">
             <a:extLst>
               <a:ext uri="{FF2B5EF4-FFF2-40B4-BE49-F238E27FC236}">
-                <a16:creationId xmlns:a16="http://schemas.microsoft.com/office/drawing/2014/main" id="{F6486742-EC16-089D-0480-07664EC36661}"/>
+                <a16:creationId xmlns:a16="http://schemas.microsoft.com/office/drawing/2014/main" id="{3FE4819C-B416-FDCB-D709-7053882BF3CF}"/>
               </a:ext>
             </a:extLst>
           </p:cNvPr>
@@ -434,7 +434,7 @@
           <p:cNvPr id="4" name="日期占位符 3">
             <a:extLst>
               <a:ext uri="{FF2B5EF4-FFF2-40B4-BE49-F238E27FC236}">
-                <a16:creationId xmlns:a16="http://schemas.microsoft.com/office/drawing/2014/main" id="{83DA6214-FA08-3ADC-C176-FB13E117C611}"/>
+                <a16:creationId xmlns:a16="http://schemas.microsoft.com/office/drawing/2014/main" id="{469D587B-ADEE-9BFB-58F2-F27789230C51}"/>
               </a:ext>
             </a:extLst>
           </p:cNvPr>
@@ -450,7 +450,7 @@
           <a:bodyPr/>
           <a:lstStyle/>
           <a:p>
-            <a:fld id="{4C7F4836-609C-4EDC-808E-59C368ABA240}" type="datetimeFigureOut">
+            <a:fld id="{C6A9849B-DF5D-43FA-B684-BA8746B1768C}" type="datetimeFigureOut">
               <a:rPr lang="zh-CN" altLang="en-US" smtClean="0"/>
               <a:t>2024/3/10</a:t>
             </a:fld>
@@ -463,7 +463,7 @@
           <p:cNvPr id="5" name="页脚占位符 4">
             <a:extLst>
               <a:ext uri="{FF2B5EF4-FFF2-40B4-BE49-F238E27FC236}">
-                <a16:creationId xmlns:a16="http://schemas.microsoft.com/office/drawing/2014/main" id="{AEB144A4-1930-D071-DC32-FECE496895AE}"/>
+                <a16:creationId xmlns:a16="http://schemas.microsoft.com/office/drawing/2014/main" id="{77DDB528-47DB-1290-A7D1-B83732E80383}"/>
               </a:ext>
             </a:extLst>
           </p:cNvPr>
@@ -488,7 +488,7 @@
           <p:cNvPr id="6" name="灯片编号占位符 5">
             <a:extLst>
               <a:ext uri="{FF2B5EF4-FFF2-40B4-BE49-F238E27FC236}">
-                <a16:creationId xmlns:a16="http://schemas.microsoft.com/office/drawing/2014/main" id="{EC225E99-1027-9024-0112-AFE0D73852F0}"/>
+                <a16:creationId xmlns:a16="http://schemas.microsoft.com/office/drawing/2014/main" id="{1471C312-91B0-A4E6-C80B-ACCE018F78A0}"/>
               </a:ext>
             </a:extLst>
           </p:cNvPr>
@@ -504,7 +504,7 @@
           <a:bodyPr/>
           <a:lstStyle/>
           <a:p>
-            <a:fld id="{C389AA8D-E2C8-4317-9B3C-E30D7EBA0A79}" type="slidenum">
+            <a:fld id="{AA08E4B8-2555-456D-8651-FBFF365514FB}" type="slidenum">
               <a:rPr lang="zh-CN" altLang="en-US" smtClean="0"/>
               <a:t>‹#›</a:t>
             </a:fld>
@@ -515,7 +515,7 @@
     </p:spTree>
     <p:extLst>
       <p:ext uri="{BB962C8B-B14F-4D97-AF65-F5344CB8AC3E}">
-        <p14:creationId xmlns:p14="http://schemas.microsoft.com/office/powerpoint/2010/main" val="929699516"/>
+        <p14:creationId xmlns:p14="http://schemas.microsoft.com/office/powerpoint/2010/main" val="2662681590"/>
       </p:ext>
     </p:extLst>
   </p:cSld>
@@ -547,7 +547,7 @@
           <p:cNvPr id="2" name="竖排标题 1">
             <a:extLst>
               <a:ext uri="{FF2B5EF4-FFF2-40B4-BE49-F238E27FC236}">
-                <a16:creationId xmlns:a16="http://schemas.microsoft.com/office/drawing/2014/main" id="{1BF63451-DCA8-0258-F497-C78D9971A260}"/>
+                <a16:creationId xmlns:a16="http://schemas.microsoft.com/office/drawing/2014/main" id="{210BD09C-F026-B09E-EE86-B1D4B7B94DE5}"/>
               </a:ext>
             </a:extLst>
           </p:cNvPr>
@@ -580,7 +580,7 @@
           <p:cNvPr id="3" name="竖排文字占位符 2">
             <a:extLst>
               <a:ext uri="{FF2B5EF4-FFF2-40B4-BE49-F238E27FC236}">
-                <a16:creationId xmlns:a16="http://schemas.microsoft.com/office/drawing/2014/main" id="{95B4E474-C46B-0FC7-0A60-7763FCE0F218}"/>
+                <a16:creationId xmlns:a16="http://schemas.microsoft.com/office/drawing/2014/main" id="{2E0EF5B0-1B34-002F-A34A-6FE642A1E93E}"/>
               </a:ext>
             </a:extLst>
           </p:cNvPr>
@@ -642,7 +642,7 @@
           <p:cNvPr id="4" name="日期占位符 3">
             <a:extLst>
               <a:ext uri="{FF2B5EF4-FFF2-40B4-BE49-F238E27FC236}">
-                <a16:creationId xmlns:a16="http://schemas.microsoft.com/office/drawing/2014/main" id="{551D04DE-FE94-1E3B-17AC-0AB910E69B48}"/>
+                <a16:creationId xmlns:a16="http://schemas.microsoft.com/office/drawing/2014/main" id="{B3D70752-9F5A-8BC9-F298-168E4326DA33}"/>
               </a:ext>
             </a:extLst>
           </p:cNvPr>
@@ -658,7 +658,7 @@
           <a:bodyPr/>
           <a:lstStyle/>
           <a:p>
-            <a:fld id="{4C7F4836-609C-4EDC-808E-59C368ABA240}" type="datetimeFigureOut">
+            <a:fld id="{C6A9849B-DF5D-43FA-B684-BA8746B1768C}" type="datetimeFigureOut">
               <a:rPr lang="zh-CN" altLang="en-US" smtClean="0"/>
               <a:t>2024/3/10</a:t>
             </a:fld>
@@ -671,7 +671,7 @@
           <p:cNvPr id="5" name="页脚占位符 4">
             <a:extLst>
               <a:ext uri="{FF2B5EF4-FFF2-40B4-BE49-F238E27FC236}">
-                <a16:creationId xmlns:a16="http://schemas.microsoft.com/office/drawing/2014/main" id="{DFB826F2-A9A2-4B72-E3EE-6EA56756CED8}"/>
+                <a16:creationId xmlns:a16="http://schemas.microsoft.com/office/drawing/2014/main" id="{69FCF383-0A24-CE4D-4C56-D86AD36FB557}"/>
               </a:ext>
             </a:extLst>
           </p:cNvPr>
@@ -696,7 +696,7 @@
           <p:cNvPr id="6" name="灯片编号占位符 5">
             <a:extLst>
               <a:ext uri="{FF2B5EF4-FFF2-40B4-BE49-F238E27FC236}">
-                <a16:creationId xmlns:a16="http://schemas.microsoft.com/office/drawing/2014/main" id="{F2677816-7939-3291-A62A-D15AF1CCA293}"/>
+                <a16:creationId xmlns:a16="http://schemas.microsoft.com/office/drawing/2014/main" id="{E6A83918-7525-9624-A281-15A129176C3B}"/>
               </a:ext>
             </a:extLst>
           </p:cNvPr>
@@ -712,7 +712,7 @@
           <a:bodyPr/>
           <a:lstStyle/>
           <a:p>
-            <a:fld id="{C389AA8D-E2C8-4317-9B3C-E30D7EBA0A79}" type="slidenum">
+            <a:fld id="{AA08E4B8-2555-456D-8651-FBFF365514FB}" type="slidenum">
               <a:rPr lang="zh-CN" altLang="en-US" smtClean="0"/>
               <a:t>‹#›</a:t>
             </a:fld>
@@ -723,7 +723,7 @@
     </p:spTree>
     <p:extLst>
       <p:ext uri="{BB962C8B-B14F-4D97-AF65-F5344CB8AC3E}">
-        <p14:creationId xmlns:p14="http://schemas.microsoft.com/office/powerpoint/2010/main" val="1772870742"/>
+        <p14:creationId xmlns:p14="http://schemas.microsoft.com/office/powerpoint/2010/main" val="2336967172"/>
       </p:ext>
     </p:extLst>
   </p:cSld>
@@ -755,7 +755,7 @@
           <p:cNvPr id="2" name="标题 1">
             <a:extLst>
               <a:ext uri="{FF2B5EF4-FFF2-40B4-BE49-F238E27FC236}">
-                <a16:creationId xmlns:a16="http://schemas.microsoft.com/office/drawing/2014/main" id="{C1926DBE-8734-933F-8E97-38D99E274C18}"/>
+                <a16:creationId xmlns:a16="http://schemas.microsoft.com/office/drawing/2014/main" id="{8F66FA00-E131-870A-852A-E67521E78F5A}"/>
               </a:ext>
             </a:extLst>
           </p:cNvPr>
@@ -783,7 +783,7 @@
           <p:cNvPr id="3" name="内容占位符 2">
             <a:extLst>
               <a:ext uri="{FF2B5EF4-FFF2-40B4-BE49-F238E27FC236}">
-                <a16:creationId xmlns:a16="http://schemas.microsoft.com/office/drawing/2014/main" id="{7F0149D6-C0B6-AB63-A646-046E3B6846E2}"/>
+                <a16:creationId xmlns:a16="http://schemas.microsoft.com/office/drawing/2014/main" id="{DF978B25-1D5B-328A-A494-280ED71A504C}"/>
               </a:ext>
             </a:extLst>
           </p:cNvPr>
@@ -840,7 +840,7 @@
           <p:cNvPr id="4" name="日期占位符 3">
             <a:extLst>
               <a:ext uri="{FF2B5EF4-FFF2-40B4-BE49-F238E27FC236}">
-                <a16:creationId xmlns:a16="http://schemas.microsoft.com/office/drawing/2014/main" id="{0AB727FB-E996-15FE-D730-900B8DE8F8A8}"/>
+                <a16:creationId xmlns:a16="http://schemas.microsoft.com/office/drawing/2014/main" id="{96A5685C-7F42-CA56-0EB9-3E0A2C752F80}"/>
               </a:ext>
             </a:extLst>
           </p:cNvPr>
@@ -856,7 +856,7 @@
           <a:bodyPr/>
           <a:lstStyle/>
           <a:p>
-            <a:fld id="{4C7F4836-609C-4EDC-808E-59C368ABA240}" type="datetimeFigureOut">
+            <a:fld id="{C6A9849B-DF5D-43FA-B684-BA8746B1768C}" type="datetimeFigureOut">
               <a:rPr lang="zh-CN" altLang="en-US" smtClean="0"/>
               <a:t>2024/3/10</a:t>
             </a:fld>
@@ -869,7 +869,7 @@
           <p:cNvPr id="5" name="页脚占位符 4">
             <a:extLst>
               <a:ext uri="{FF2B5EF4-FFF2-40B4-BE49-F238E27FC236}">
-                <a16:creationId xmlns:a16="http://schemas.microsoft.com/office/drawing/2014/main" id="{FE6CE445-3A61-878E-AAE5-DCC9A0029DCC}"/>
+                <a16:creationId xmlns:a16="http://schemas.microsoft.com/office/drawing/2014/main" id="{BF75C79A-5333-7430-D294-A3427C0D251F}"/>
               </a:ext>
             </a:extLst>
           </p:cNvPr>
@@ -894,7 +894,7 @@
           <p:cNvPr id="6" name="灯片编号占位符 5">
             <a:extLst>
               <a:ext uri="{FF2B5EF4-FFF2-40B4-BE49-F238E27FC236}">
-                <a16:creationId xmlns:a16="http://schemas.microsoft.com/office/drawing/2014/main" id="{D8E40890-3558-FAA8-E595-C4BDBAE6D560}"/>
+                <a16:creationId xmlns:a16="http://schemas.microsoft.com/office/drawing/2014/main" id="{790F35B6-72C7-1AC6-F578-734FEF8A1EDE}"/>
               </a:ext>
             </a:extLst>
           </p:cNvPr>
@@ -910,7 +910,7 @@
           <a:bodyPr/>
           <a:lstStyle/>
           <a:p>
-            <a:fld id="{C389AA8D-E2C8-4317-9B3C-E30D7EBA0A79}" type="slidenum">
+            <a:fld id="{AA08E4B8-2555-456D-8651-FBFF365514FB}" type="slidenum">
               <a:rPr lang="zh-CN" altLang="en-US" smtClean="0"/>
               <a:t>‹#›</a:t>
             </a:fld>
@@ -921,7 +921,7 @@
     </p:spTree>
     <p:extLst>
       <p:ext uri="{BB962C8B-B14F-4D97-AF65-F5344CB8AC3E}">
-        <p14:creationId xmlns:p14="http://schemas.microsoft.com/office/powerpoint/2010/main" val="178494038"/>
+        <p14:creationId xmlns:p14="http://schemas.microsoft.com/office/powerpoint/2010/main" val="3704773372"/>
       </p:ext>
     </p:extLst>
   </p:cSld>
@@ -953,7 +953,7 @@
           <p:cNvPr id="2" name="标题 1">
             <a:extLst>
               <a:ext uri="{FF2B5EF4-FFF2-40B4-BE49-F238E27FC236}">
-                <a16:creationId xmlns:a16="http://schemas.microsoft.com/office/drawing/2014/main" id="{55DB8D32-480E-7BBE-EC0E-A0FB49CB4CDB}"/>
+                <a16:creationId xmlns:a16="http://schemas.microsoft.com/office/drawing/2014/main" id="{7C8956A7-6D73-0489-D574-77421B41E347}"/>
               </a:ext>
             </a:extLst>
           </p:cNvPr>
@@ -990,7 +990,7 @@
           <p:cNvPr id="3" name="文本占位符 2">
             <a:extLst>
               <a:ext uri="{FF2B5EF4-FFF2-40B4-BE49-F238E27FC236}">
-                <a16:creationId xmlns:a16="http://schemas.microsoft.com/office/drawing/2014/main" id="{B29D799B-26F0-FBF7-8CAC-C490AC26E0B9}"/>
+                <a16:creationId xmlns:a16="http://schemas.microsoft.com/office/drawing/2014/main" id="{092D8860-B674-67DE-76C6-D2A9E7E21F2B}"/>
               </a:ext>
             </a:extLst>
           </p:cNvPr>
@@ -1115,7 +1115,7 @@
           <p:cNvPr id="4" name="日期占位符 3">
             <a:extLst>
               <a:ext uri="{FF2B5EF4-FFF2-40B4-BE49-F238E27FC236}">
-                <a16:creationId xmlns:a16="http://schemas.microsoft.com/office/drawing/2014/main" id="{2CF26BFA-1799-CAC1-F980-C2244B75B7E5}"/>
+                <a16:creationId xmlns:a16="http://schemas.microsoft.com/office/drawing/2014/main" id="{61097DF1-BC71-7B66-9A95-3BE48748F688}"/>
               </a:ext>
             </a:extLst>
           </p:cNvPr>
@@ -1131,7 +1131,7 @@
           <a:bodyPr/>
           <a:lstStyle/>
           <a:p>
-            <a:fld id="{4C7F4836-609C-4EDC-808E-59C368ABA240}" type="datetimeFigureOut">
+            <a:fld id="{C6A9849B-DF5D-43FA-B684-BA8746B1768C}" type="datetimeFigureOut">
               <a:rPr lang="zh-CN" altLang="en-US" smtClean="0"/>
               <a:t>2024/3/10</a:t>
             </a:fld>
@@ -1144,7 +1144,7 @@
           <p:cNvPr id="5" name="页脚占位符 4">
             <a:extLst>
               <a:ext uri="{FF2B5EF4-FFF2-40B4-BE49-F238E27FC236}">
-                <a16:creationId xmlns:a16="http://schemas.microsoft.com/office/drawing/2014/main" id="{4FA4730E-ADB8-B556-A44D-803F323F5CA1}"/>
+                <a16:creationId xmlns:a16="http://schemas.microsoft.com/office/drawing/2014/main" id="{A74A729C-0C51-554D-7ACF-D378C4CB6D34}"/>
               </a:ext>
             </a:extLst>
           </p:cNvPr>
@@ -1169,7 +1169,7 @@
           <p:cNvPr id="6" name="灯片编号占位符 5">
             <a:extLst>
               <a:ext uri="{FF2B5EF4-FFF2-40B4-BE49-F238E27FC236}">
-                <a16:creationId xmlns:a16="http://schemas.microsoft.com/office/drawing/2014/main" id="{9840359F-E97E-AB23-E669-51F49D515858}"/>
+                <a16:creationId xmlns:a16="http://schemas.microsoft.com/office/drawing/2014/main" id="{E1ACF27C-9B64-3B1D-08AE-8E112579A655}"/>
               </a:ext>
             </a:extLst>
           </p:cNvPr>
@@ -1185,7 +1185,7 @@
           <a:bodyPr/>
           <a:lstStyle/>
           <a:p>
-            <a:fld id="{C389AA8D-E2C8-4317-9B3C-E30D7EBA0A79}" type="slidenum">
+            <a:fld id="{AA08E4B8-2555-456D-8651-FBFF365514FB}" type="slidenum">
               <a:rPr lang="zh-CN" altLang="en-US" smtClean="0"/>
               <a:t>‹#›</a:t>
             </a:fld>
@@ -1196,7 +1196,7 @@
     </p:spTree>
     <p:extLst>
       <p:ext uri="{BB962C8B-B14F-4D97-AF65-F5344CB8AC3E}">
-        <p14:creationId xmlns:p14="http://schemas.microsoft.com/office/powerpoint/2010/main" val="475314917"/>
+        <p14:creationId xmlns:p14="http://schemas.microsoft.com/office/powerpoint/2010/main" val="2957420718"/>
       </p:ext>
     </p:extLst>
   </p:cSld>
@@ -1228,7 +1228,7 @@
           <p:cNvPr id="2" name="标题 1">
             <a:extLst>
               <a:ext uri="{FF2B5EF4-FFF2-40B4-BE49-F238E27FC236}">
-                <a16:creationId xmlns:a16="http://schemas.microsoft.com/office/drawing/2014/main" id="{2FA49D9D-ED34-37F4-D37B-AC81195D617F}"/>
+                <a16:creationId xmlns:a16="http://schemas.microsoft.com/office/drawing/2014/main" id="{E8E3AD4C-AB41-7427-907A-6BA17C13FA0D}"/>
               </a:ext>
             </a:extLst>
           </p:cNvPr>
@@ -1256,7 +1256,7 @@
           <p:cNvPr id="3" name="内容占位符 2">
             <a:extLst>
               <a:ext uri="{FF2B5EF4-FFF2-40B4-BE49-F238E27FC236}">
-                <a16:creationId xmlns:a16="http://schemas.microsoft.com/office/drawing/2014/main" id="{B3750227-808F-A83A-C963-F69CD54D82AA}"/>
+                <a16:creationId xmlns:a16="http://schemas.microsoft.com/office/drawing/2014/main" id="{7E9ADADD-BEAF-7A74-4A37-7B16E0CF7086}"/>
               </a:ext>
             </a:extLst>
           </p:cNvPr>
@@ -1318,7 +1318,7 @@
           <p:cNvPr id="4" name="内容占位符 3">
             <a:extLst>
               <a:ext uri="{FF2B5EF4-FFF2-40B4-BE49-F238E27FC236}">
-                <a16:creationId xmlns:a16="http://schemas.microsoft.com/office/drawing/2014/main" id="{6066A290-7583-6B69-FDAA-2A3E74615CF3}"/>
+                <a16:creationId xmlns:a16="http://schemas.microsoft.com/office/drawing/2014/main" id="{0C96F539-1940-DCE7-35E7-F5EEB5C9E476}"/>
               </a:ext>
             </a:extLst>
           </p:cNvPr>
@@ -1380,7 +1380,7 @@
           <p:cNvPr id="5" name="日期占位符 4">
             <a:extLst>
               <a:ext uri="{FF2B5EF4-FFF2-40B4-BE49-F238E27FC236}">
-                <a16:creationId xmlns:a16="http://schemas.microsoft.com/office/drawing/2014/main" id="{AD53CDB1-0240-AF74-2AB8-37B92CCC911A}"/>
+                <a16:creationId xmlns:a16="http://schemas.microsoft.com/office/drawing/2014/main" id="{20A44226-9C76-B3C2-87B5-DAA99FE81DC0}"/>
               </a:ext>
             </a:extLst>
           </p:cNvPr>
@@ -1396,7 +1396,7 @@
           <a:bodyPr/>
           <a:lstStyle/>
           <a:p>
-            <a:fld id="{4C7F4836-609C-4EDC-808E-59C368ABA240}" type="datetimeFigureOut">
+            <a:fld id="{C6A9849B-DF5D-43FA-B684-BA8746B1768C}" type="datetimeFigureOut">
               <a:rPr lang="zh-CN" altLang="en-US" smtClean="0"/>
               <a:t>2024/3/10</a:t>
             </a:fld>
@@ -1409,7 +1409,7 @@
           <p:cNvPr id="6" name="页脚占位符 5">
             <a:extLst>
               <a:ext uri="{FF2B5EF4-FFF2-40B4-BE49-F238E27FC236}">
-                <a16:creationId xmlns:a16="http://schemas.microsoft.com/office/drawing/2014/main" id="{9C33B378-E3EA-4F67-2D05-5AD0031A2BD5}"/>
+                <a16:creationId xmlns:a16="http://schemas.microsoft.com/office/drawing/2014/main" id="{D4B91326-4F88-C469-B20D-E5115F812911}"/>
               </a:ext>
             </a:extLst>
           </p:cNvPr>
@@ -1434,7 +1434,7 @@
           <p:cNvPr id="7" name="灯片编号占位符 6">
             <a:extLst>
               <a:ext uri="{FF2B5EF4-FFF2-40B4-BE49-F238E27FC236}">
-                <a16:creationId xmlns:a16="http://schemas.microsoft.com/office/drawing/2014/main" id="{8A127C13-5A2F-8BB5-CCAA-D1F0A518F219}"/>
+                <a16:creationId xmlns:a16="http://schemas.microsoft.com/office/drawing/2014/main" id="{7CCC4E9A-8D8B-3CD8-2BFC-F2CF4856D75A}"/>
               </a:ext>
             </a:extLst>
           </p:cNvPr>
@@ -1450,7 +1450,7 @@
           <a:bodyPr/>
           <a:lstStyle/>
           <a:p>
-            <a:fld id="{C389AA8D-E2C8-4317-9B3C-E30D7EBA0A79}" type="slidenum">
+            <a:fld id="{AA08E4B8-2555-456D-8651-FBFF365514FB}" type="slidenum">
               <a:rPr lang="zh-CN" altLang="en-US" smtClean="0"/>
               <a:t>‹#›</a:t>
             </a:fld>
@@ -1461,7 +1461,7 @@
     </p:spTree>
     <p:extLst>
       <p:ext uri="{BB962C8B-B14F-4D97-AF65-F5344CB8AC3E}">
-        <p14:creationId xmlns:p14="http://schemas.microsoft.com/office/powerpoint/2010/main" val="431974623"/>
+        <p14:creationId xmlns:p14="http://schemas.microsoft.com/office/powerpoint/2010/main" val="861299990"/>
       </p:ext>
     </p:extLst>
   </p:cSld>
@@ -1493,7 +1493,7 @@
           <p:cNvPr id="2" name="标题 1">
             <a:extLst>
               <a:ext uri="{FF2B5EF4-FFF2-40B4-BE49-F238E27FC236}">
-                <a16:creationId xmlns:a16="http://schemas.microsoft.com/office/drawing/2014/main" id="{40443858-B8E8-5E9F-7D11-08063629C6F4}"/>
+                <a16:creationId xmlns:a16="http://schemas.microsoft.com/office/drawing/2014/main" id="{4F55E687-CD48-FDD3-9F9D-49A0667792C4}"/>
               </a:ext>
             </a:extLst>
           </p:cNvPr>
@@ -1526,7 +1526,7 @@
           <p:cNvPr id="3" name="文本占位符 2">
             <a:extLst>
               <a:ext uri="{FF2B5EF4-FFF2-40B4-BE49-F238E27FC236}">
-                <a16:creationId xmlns:a16="http://schemas.microsoft.com/office/drawing/2014/main" id="{6F7E1E2F-442B-DDD8-AF15-B6CEEF740CDF}"/>
+                <a16:creationId xmlns:a16="http://schemas.microsoft.com/office/drawing/2014/main" id="{FD496CAA-1523-71BD-CF25-90C9A9CAFC51}"/>
               </a:ext>
             </a:extLst>
           </p:cNvPr>
@@ -1597,7 +1597,7 @@
           <p:cNvPr id="4" name="内容占位符 3">
             <a:extLst>
               <a:ext uri="{FF2B5EF4-FFF2-40B4-BE49-F238E27FC236}">
-                <a16:creationId xmlns:a16="http://schemas.microsoft.com/office/drawing/2014/main" id="{2CF07A1B-5A64-7303-10DD-F963E779C9D9}"/>
+                <a16:creationId xmlns:a16="http://schemas.microsoft.com/office/drawing/2014/main" id="{E7C2C3E0-D329-C4C5-239B-E075A1B36B6B}"/>
               </a:ext>
             </a:extLst>
           </p:cNvPr>
@@ -1659,7 +1659,7 @@
           <p:cNvPr id="5" name="文本占位符 4">
             <a:extLst>
               <a:ext uri="{FF2B5EF4-FFF2-40B4-BE49-F238E27FC236}">
-                <a16:creationId xmlns:a16="http://schemas.microsoft.com/office/drawing/2014/main" id="{BBD879B9-F8C4-C0D0-099E-DEA646CD0BBA}"/>
+                <a16:creationId xmlns:a16="http://schemas.microsoft.com/office/drawing/2014/main" id="{35D4825B-52B2-C488-022F-79F52C56EFE1}"/>
               </a:ext>
             </a:extLst>
           </p:cNvPr>
@@ -1730,7 +1730,7 @@
           <p:cNvPr id="6" name="内容占位符 5">
             <a:extLst>
               <a:ext uri="{FF2B5EF4-FFF2-40B4-BE49-F238E27FC236}">
-                <a16:creationId xmlns:a16="http://schemas.microsoft.com/office/drawing/2014/main" id="{23F30427-6CDF-AF56-5316-CD896787C7AB}"/>
+                <a16:creationId xmlns:a16="http://schemas.microsoft.com/office/drawing/2014/main" id="{A93B431C-7928-E27B-19B2-5CD0F1343EFE}"/>
               </a:ext>
             </a:extLst>
           </p:cNvPr>
@@ -1792,7 +1792,7 @@
           <p:cNvPr id="7" name="日期占位符 6">
             <a:extLst>
               <a:ext uri="{FF2B5EF4-FFF2-40B4-BE49-F238E27FC236}">
-                <a16:creationId xmlns:a16="http://schemas.microsoft.com/office/drawing/2014/main" id="{4D75498D-B8F0-6A35-982F-54F7B80FFB09}"/>
+                <a16:creationId xmlns:a16="http://schemas.microsoft.com/office/drawing/2014/main" id="{68BCB41C-CA42-ED0F-94ED-FAADAD423CC5}"/>
               </a:ext>
             </a:extLst>
           </p:cNvPr>
@@ -1808,7 +1808,7 @@
           <a:bodyPr/>
           <a:lstStyle/>
           <a:p>
-            <a:fld id="{4C7F4836-609C-4EDC-808E-59C368ABA240}" type="datetimeFigureOut">
+            <a:fld id="{C6A9849B-DF5D-43FA-B684-BA8746B1768C}" type="datetimeFigureOut">
               <a:rPr lang="zh-CN" altLang="en-US" smtClean="0"/>
               <a:t>2024/3/10</a:t>
             </a:fld>
@@ -1821,7 +1821,7 @@
           <p:cNvPr id="8" name="页脚占位符 7">
             <a:extLst>
               <a:ext uri="{FF2B5EF4-FFF2-40B4-BE49-F238E27FC236}">
-                <a16:creationId xmlns:a16="http://schemas.microsoft.com/office/drawing/2014/main" id="{B7D90FB5-2884-0DF4-B1C0-7057266F866A}"/>
+                <a16:creationId xmlns:a16="http://schemas.microsoft.com/office/drawing/2014/main" id="{5F6D202A-25A6-61DE-7174-8C76B9F8C4EB}"/>
               </a:ext>
             </a:extLst>
           </p:cNvPr>
@@ -1846,7 +1846,7 @@
           <p:cNvPr id="9" name="灯片编号占位符 8">
             <a:extLst>
               <a:ext uri="{FF2B5EF4-FFF2-40B4-BE49-F238E27FC236}">
-                <a16:creationId xmlns:a16="http://schemas.microsoft.com/office/drawing/2014/main" id="{F93AF67F-3BB0-2242-0F43-F32F0E3FFBC9}"/>
+                <a16:creationId xmlns:a16="http://schemas.microsoft.com/office/drawing/2014/main" id="{26AF3FAE-B3A5-81E7-4A40-0FD7AEDD056C}"/>
               </a:ext>
             </a:extLst>
           </p:cNvPr>
@@ -1862,7 +1862,7 @@
           <a:bodyPr/>
           <a:lstStyle/>
           <a:p>
-            <a:fld id="{C389AA8D-E2C8-4317-9B3C-E30D7EBA0A79}" type="slidenum">
+            <a:fld id="{AA08E4B8-2555-456D-8651-FBFF365514FB}" type="slidenum">
               <a:rPr lang="zh-CN" altLang="en-US" smtClean="0"/>
               <a:t>‹#›</a:t>
             </a:fld>
@@ -1873,7 +1873,7 @@
     </p:spTree>
     <p:extLst>
       <p:ext uri="{BB962C8B-B14F-4D97-AF65-F5344CB8AC3E}">
-        <p14:creationId xmlns:p14="http://schemas.microsoft.com/office/powerpoint/2010/main" val="1713943418"/>
+        <p14:creationId xmlns:p14="http://schemas.microsoft.com/office/powerpoint/2010/main" val="2297679229"/>
       </p:ext>
     </p:extLst>
   </p:cSld>
@@ -1905,7 +1905,7 @@
           <p:cNvPr id="2" name="标题 1">
             <a:extLst>
               <a:ext uri="{FF2B5EF4-FFF2-40B4-BE49-F238E27FC236}">
-                <a16:creationId xmlns:a16="http://schemas.microsoft.com/office/drawing/2014/main" id="{8FD5E182-3314-E00F-12B6-02B8B1F85B40}"/>
+                <a16:creationId xmlns:a16="http://schemas.microsoft.com/office/drawing/2014/main" id="{04797DE4-0F73-6AAD-5802-3916FC302C03}"/>
               </a:ext>
             </a:extLst>
           </p:cNvPr>
@@ -1933,7 +1933,7 @@
           <p:cNvPr id="3" name="日期占位符 2">
             <a:extLst>
               <a:ext uri="{FF2B5EF4-FFF2-40B4-BE49-F238E27FC236}">
-                <a16:creationId xmlns:a16="http://schemas.microsoft.com/office/drawing/2014/main" id="{24AC0E60-FF82-D90E-50FA-6FF2E309EA99}"/>
+                <a16:creationId xmlns:a16="http://schemas.microsoft.com/office/drawing/2014/main" id="{7C649EF0-CD7F-FBAD-89C0-6730827D5BE6}"/>
               </a:ext>
             </a:extLst>
           </p:cNvPr>
@@ -1949,7 +1949,7 @@
           <a:bodyPr/>
           <a:lstStyle/>
           <a:p>
-            <a:fld id="{4C7F4836-609C-4EDC-808E-59C368ABA240}" type="datetimeFigureOut">
+            <a:fld id="{C6A9849B-DF5D-43FA-B684-BA8746B1768C}" type="datetimeFigureOut">
               <a:rPr lang="zh-CN" altLang="en-US" smtClean="0"/>
               <a:t>2024/3/10</a:t>
             </a:fld>
@@ -1962,7 +1962,7 @@
           <p:cNvPr id="4" name="页脚占位符 3">
             <a:extLst>
               <a:ext uri="{FF2B5EF4-FFF2-40B4-BE49-F238E27FC236}">
-                <a16:creationId xmlns:a16="http://schemas.microsoft.com/office/drawing/2014/main" id="{6E062DE8-7510-8A39-92D8-8E5EEAC753C7}"/>
+                <a16:creationId xmlns:a16="http://schemas.microsoft.com/office/drawing/2014/main" id="{34742402-7A06-D54D-16AB-ED6EA2C38105}"/>
               </a:ext>
             </a:extLst>
           </p:cNvPr>
@@ -1987,7 +1987,7 @@
           <p:cNvPr id="5" name="灯片编号占位符 4">
             <a:extLst>
               <a:ext uri="{FF2B5EF4-FFF2-40B4-BE49-F238E27FC236}">
-                <a16:creationId xmlns:a16="http://schemas.microsoft.com/office/drawing/2014/main" id="{34BA6E04-7A67-E644-9F44-DC57D11FD0CA}"/>
+                <a16:creationId xmlns:a16="http://schemas.microsoft.com/office/drawing/2014/main" id="{B68A2670-4709-9979-FC63-F832E054E9A8}"/>
               </a:ext>
             </a:extLst>
           </p:cNvPr>
@@ -2003,7 +2003,7 @@
           <a:bodyPr/>
           <a:lstStyle/>
           <a:p>
-            <a:fld id="{C389AA8D-E2C8-4317-9B3C-E30D7EBA0A79}" type="slidenum">
+            <a:fld id="{AA08E4B8-2555-456D-8651-FBFF365514FB}" type="slidenum">
               <a:rPr lang="zh-CN" altLang="en-US" smtClean="0"/>
               <a:t>‹#›</a:t>
             </a:fld>
@@ -2014,7 +2014,7 @@
     </p:spTree>
     <p:extLst>
       <p:ext uri="{BB962C8B-B14F-4D97-AF65-F5344CB8AC3E}">
-        <p14:creationId xmlns:p14="http://schemas.microsoft.com/office/powerpoint/2010/main" val="2942235307"/>
+        <p14:creationId xmlns:p14="http://schemas.microsoft.com/office/powerpoint/2010/main" val="751007351"/>
       </p:ext>
     </p:extLst>
   </p:cSld>
@@ -2046,7 +2046,7 @@
           <p:cNvPr id="2" name="日期占位符 1">
             <a:extLst>
               <a:ext uri="{FF2B5EF4-FFF2-40B4-BE49-F238E27FC236}">
-                <a16:creationId xmlns:a16="http://schemas.microsoft.com/office/drawing/2014/main" id="{4F5B1A47-F369-AAEE-22FE-704F9A02309C}"/>
+                <a16:creationId xmlns:a16="http://schemas.microsoft.com/office/drawing/2014/main" id="{B12B37C2-818E-3D7A-1F3C-50BC73E002A6}"/>
               </a:ext>
             </a:extLst>
           </p:cNvPr>
@@ -2062,7 +2062,7 @@
           <a:bodyPr/>
           <a:lstStyle/>
           <a:p>
-            <a:fld id="{4C7F4836-609C-4EDC-808E-59C368ABA240}" type="datetimeFigureOut">
+            <a:fld id="{C6A9849B-DF5D-43FA-B684-BA8746B1768C}" type="datetimeFigureOut">
               <a:rPr lang="zh-CN" altLang="en-US" smtClean="0"/>
               <a:t>2024/3/10</a:t>
             </a:fld>
@@ -2075,7 +2075,7 @@
           <p:cNvPr id="3" name="页脚占位符 2">
             <a:extLst>
               <a:ext uri="{FF2B5EF4-FFF2-40B4-BE49-F238E27FC236}">
-                <a16:creationId xmlns:a16="http://schemas.microsoft.com/office/drawing/2014/main" id="{972182F6-E67B-C7AB-4BFA-E5AE3373A92C}"/>
+                <a16:creationId xmlns:a16="http://schemas.microsoft.com/office/drawing/2014/main" id="{FC0EB07D-6646-8004-D8D4-832F1A061FA1}"/>
               </a:ext>
             </a:extLst>
           </p:cNvPr>
@@ -2100,7 +2100,7 @@
           <p:cNvPr id="4" name="灯片编号占位符 3">
             <a:extLst>
               <a:ext uri="{FF2B5EF4-FFF2-40B4-BE49-F238E27FC236}">
-                <a16:creationId xmlns:a16="http://schemas.microsoft.com/office/drawing/2014/main" id="{CDD9BF37-E313-F40B-4367-A9DFF351BAA7}"/>
+                <a16:creationId xmlns:a16="http://schemas.microsoft.com/office/drawing/2014/main" id="{5E8975A6-9009-2BD2-EECF-ABE9ACE54DE4}"/>
               </a:ext>
             </a:extLst>
           </p:cNvPr>
@@ -2116,7 +2116,7 @@
           <a:bodyPr/>
           <a:lstStyle/>
           <a:p>
-            <a:fld id="{C389AA8D-E2C8-4317-9B3C-E30D7EBA0A79}" type="slidenum">
+            <a:fld id="{AA08E4B8-2555-456D-8651-FBFF365514FB}" type="slidenum">
               <a:rPr lang="zh-CN" altLang="en-US" smtClean="0"/>
               <a:t>‹#›</a:t>
             </a:fld>
@@ -2127,7 +2127,7 @@
     </p:spTree>
     <p:extLst>
       <p:ext uri="{BB962C8B-B14F-4D97-AF65-F5344CB8AC3E}">
-        <p14:creationId xmlns:p14="http://schemas.microsoft.com/office/powerpoint/2010/main" val="406048391"/>
+        <p14:creationId xmlns:p14="http://schemas.microsoft.com/office/powerpoint/2010/main" val="1577955305"/>
       </p:ext>
     </p:extLst>
   </p:cSld>
@@ -2159,7 +2159,7 @@
           <p:cNvPr id="2" name="标题 1">
             <a:extLst>
               <a:ext uri="{FF2B5EF4-FFF2-40B4-BE49-F238E27FC236}">
-                <a16:creationId xmlns:a16="http://schemas.microsoft.com/office/drawing/2014/main" id="{B3C9B48F-2C52-D4AB-6B8A-3FBD23FFF43A}"/>
+                <a16:creationId xmlns:a16="http://schemas.microsoft.com/office/drawing/2014/main" id="{EB51F49B-E7DB-6A03-17C4-F422A85B8B0B}"/>
               </a:ext>
             </a:extLst>
           </p:cNvPr>
@@ -2196,7 +2196,7 @@
           <p:cNvPr id="3" name="内容占位符 2">
             <a:extLst>
               <a:ext uri="{FF2B5EF4-FFF2-40B4-BE49-F238E27FC236}">
-                <a16:creationId xmlns:a16="http://schemas.microsoft.com/office/drawing/2014/main" id="{DE5EF017-A372-0AA9-22D1-9C77E8653E7D}"/>
+                <a16:creationId xmlns:a16="http://schemas.microsoft.com/office/drawing/2014/main" id="{0A55CE6C-D253-FEFA-FA75-1C4580D3A536}"/>
               </a:ext>
             </a:extLst>
           </p:cNvPr>
@@ -2286,7 +2286,7 @@
           <p:cNvPr id="4" name="文本占位符 3">
             <a:extLst>
               <a:ext uri="{FF2B5EF4-FFF2-40B4-BE49-F238E27FC236}">
-                <a16:creationId xmlns:a16="http://schemas.microsoft.com/office/drawing/2014/main" id="{159910F6-17B1-AE27-C0CB-1176C10B96BF}"/>
+                <a16:creationId xmlns:a16="http://schemas.microsoft.com/office/drawing/2014/main" id="{2D653CA6-8D7F-B4C2-402B-78FDBBCF7189}"/>
               </a:ext>
             </a:extLst>
           </p:cNvPr>
@@ -2357,7 +2357,7 @@
           <p:cNvPr id="5" name="日期占位符 4">
             <a:extLst>
               <a:ext uri="{FF2B5EF4-FFF2-40B4-BE49-F238E27FC236}">
-                <a16:creationId xmlns:a16="http://schemas.microsoft.com/office/drawing/2014/main" id="{3D2ABCB1-7179-BD37-554B-F7F8E897284F}"/>
+                <a16:creationId xmlns:a16="http://schemas.microsoft.com/office/drawing/2014/main" id="{D41F49DB-5D58-F67C-A8EC-5726EE5F369D}"/>
               </a:ext>
             </a:extLst>
           </p:cNvPr>
@@ -2373,7 +2373,7 @@
           <a:bodyPr/>
           <a:lstStyle/>
           <a:p>
-            <a:fld id="{4C7F4836-609C-4EDC-808E-59C368ABA240}" type="datetimeFigureOut">
+            <a:fld id="{C6A9849B-DF5D-43FA-B684-BA8746B1768C}" type="datetimeFigureOut">
               <a:rPr lang="zh-CN" altLang="en-US" smtClean="0"/>
               <a:t>2024/3/10</a:t>
             </a:fld>
@@ -2386,7 +2386,7 @@
           <p:cNvPr id="6" name="页脚占位符 5">
             <a:extLst>
               <a:ext uri="{FF2B5EF4-FFF2-40B4-BE49-F238E27FC236}">
-                <a16:creationId xmlns:a16="http://schemas.microsoft.com/office/drawing/2014/main" id="{2941DC89-C4FB-AF27-7190-BF1AD0FC1D02}"/>
+                <a16:creationId xmlns:a16="http://schemas.microsoft.com/office/drawing/2014/main" id="{13BC6396-C4EF-A89E-FD9E-EA8B72769672}"/>
               </a:ext>
             </a:extLst>
           </p:cNvPr>
@@ -2411,7 +2411,7 @@
           <p:cNvPr id="7" name="灯片编号占位符 6">
             <a:extLst>
               <a:ext uri="{FF2B5EF4-FFF2-40B4-BE49-F238E27FC236}">
-                <a16:creationId xmlns:a16="http://schemas.microsoft.com/office/drawing/2014/main" id="{24216034-4D69-ED0F-1CE9-5251E1177E53}"/>
+                <a16:creationId xmlns:a16="http://schemas.microsoft.com/office/drawing/2014/main" id="{E558D8F7-4D99-F8A6-24F6-813421DC0326}"/>
               </a:ext>
             </a:extLst>
           </p:cNvPr>
@@ -2427,7 +2427,7 @@
           <a:bodyPr/>
           <a:lstStyle/>
           <a:p>
-            <a:fld id="{C389AA8D-E2C8-4317-9B3C-E30D7EBA0A79}" type="slidenum">
+            <a:fld id="{AA08E4B8-2555-456D-8651-FBFF365514FB}" type="slidenum">
               <a:rPr lang="zh-CN" altLang="en-US" smtClean="0"/>
               <a:t>‹#›</a:t>
             </a:fld>
@@ -2438,7 +2438,7 @@
     </p:spTree>
     <p:extLst>
       <p:ext uri="{BB962C8B-B14F-4D97-AF65-F5344CB8AC3E}">
-        <p14:creationId xmlns:p14="http://schemas.microsoft.com/office/powerpoint/2010/main" val="1425483140"/>
+        <p14:creationId xmlns:p14="http://schemas.microsoft.com/office/powerpoint/2010/main" val="648348342"/>
       </p:ext>
     </p:extLst>
   </p:cSld>
@@ -2470,7 +2470,7 @@
           <p:cNvPr id="2" name="标题 1">
             <a:extLst>
               <a:ext uri="{FF2B5EF4-FFF2-40B4-BE49-F238E27FC236}">
-                <a16:creationId xmlns:a16="http://schemas.microsoft.com/office/drawing/2014/main" id="{CF35D832-44A4-2611-7C27-4A994CB9C097}"/>
+                <a16:creationId xmlns:a16="http://schemas.microsoft.com/office/drawing/2014/main" id="{404AA0EF-8AD9-CECE-1B7D-73F0803A01C6}"/>
               </a:ext>
             </a:extLst>
           </p:cNvPr>
@@ -2507,7 +2507,7 @@
           <p:cNvPr id="3" name="图片占位符 2">
             <a:extLst>
               <a:ext uri="{FF2B5EF4-FFF2-40B4-BE49-F238E27FC236}">
-                <a16:creationId xmlns:a16="http://schemas.microsoft.com/office/drawing/2014/main" id="{284F373A-479D-B5DC-CBFD-C84182C81812}"/>
+                <a16:creationId xmlns:a16="http://schemas.microsoft.com/office/drawing/2014/main" id="{F6E6BB5C-CA0A-DB25-3190-53690C18A07E}"/>
               </a:ext>
             </a:extLst>
           </p:cNvPr>
@@ -2574,7 +2574,7 @@
           <p:cNvPr id="4" name="文本占位符 3">
             <a:extLst>
               <a:ext uri="{FF2B5EF4-FFF2-40B4-BE49-F238E27FC236}">
-                <a16:creationId xmlns:a16="http://schemas.microsoft.com/office/drawing/2014/main" id="{DD4CC8C8-AEB2-14A4-FF7D-F6D2C3F36E08}"/>
+                <a16:creationId xmlns:a16="http://schemas.microsoft.com/office/drawing/2014/main" id="{C4C8CE14-2FB4-D244-8412-0C785E3325AE}"/>
               </a:ext>
             </a:extLst>
           </p:cNvPr>
@@ -2645,7 +2645,7 @@
           <p:cNvPr id="5" name="日期占位符 4">
             <a:extLst>
               <a:ext uri="{FF2B5EF4-FFF2-40B4-BE49-F238E27FC236}">
-                <a16:creationId xmlns:a16="http://schemas.microsoft.com/office/drawing/2014/main" id="{133FB38D-146B-2711-C643-189F96190365}"/>
+                <a16:creationId xmlns:a16="http://schemas.microsoft.com/office/drawing/2014/main" id="{4B23962A-A4F8-8541-EB23-C91D47E5A7E0}"/>
               </a:ext>
             </a:extLst>
           </p:cNvPr>
@@ -2661,7 +2661,7 @@
           <a:bodyPr/>
           <a:lstStyle/>
           <a:p>
-            <a:fld id="{4C7F4836-609C-4EDC-808E-59C368ABA240}" type="datetimeFigureOut">
+            <a:fld id="{C6A9849B-DF5D-43FA-B684-BA8746B1768C}" type="datetimeFigureOut">
               <a:rPr lang="zh-CN" altLang="en-US" smtClean="0"/>
               <a:t>2024/3/10</a:t>
             </a:fld>
@@ -2674,7 +2674,7 @@
           <p:cNvPr id="6" name="页脚占位符 5">
             <a:extLst>
               <a:ext uri="{FF2B5EF4-FFF2-40B4-BE49-F238E27FC236}">
-                <a16:creationId xmlns:a16="http://schemas.microsoft.com/office/drawing/2014/main" id="{1AD3CF32-CD66-FDC2-7D98-52B562034854}"/>
+                <a16:creationId xmlns:a16="http://schemas.microsoft.com/office/drawing/2014/main" id="{1E091F5D-C356-CA6B-D93C-BB2B23DBA7B0}"/>
               </a:ext>
             </a:extLst>
           </p:cNvPr>
@@ -2699,7 +2699,7 @@
           <p:cNvPr id="7" name="灯片编号占位符 6">
             <a:extLst>
               <a:ext uri="{FF2B5EF4-FFF2-40B4-BE49-F238E27FC236}">
-                <a16:creationId xmlns:a16="http://schemas.microsoft.com/office/drawing/2014/main" id="{C24B8821-1945-BA3E-CF67-86103ABB3720}"/>
+                <a16:creationId xmlns:a16="http://schemas.microsoft.com/office/drawing/2014/main" id="{53ACF317-E7FD-A185-EAE4-68BBC9F0E9F6}"/>
               </a:ext>
             </a:extLst>
           </p:cNvPr>
@@ -2715,7 +2715,7 @@
           <a:bodyPr/>
           <a:lstStyle/>
           <a:p>
-            <a:fld id="{C389AA8D-E2C8-4317-9B3C-E30D7EBA0A79}" type="slidenum">
+            <a:fld id="{AA08E4B8-2555-456D-8651-FBFF365514FB}" type="slidenum">
               <a:rPr lang="zh-CN" altLang="en-US" smtClean="0"/>
               <a:t>‹#›</a:t>
             </a:fld>
@@ -2726,7 +2726,7 @@
     </p:spTree>
     <p:extLst>
       <p:ext uri="{BB962C8B-B14F-4D97-AF65-F5344CB8AC3E}">
-        <p14:creationId xmlns:p14="http://schemas.microsoft.com/office/powerpoint/2010/main" val="1963313772"/>
+        <p14:creationId xmlns:p14="http://schemas.microsoft.com/office/powerpoint/2010/main" val="786806038"/>
       </p:ext>
     </p:extLst>
   </p:cSld>
@@ -2763,7 +2763,7 @@
           <p:cNvPr id="2" name="标题占位符 1">
             <a:extLst>
               <a:ext uri="{FF2B5EF4-FFF2-40B4-BE49-F238E27FC236}">
-                <a16:creationId xmlns:a16="http://schemas.microsoft.com/office/drawing/2014/main" id="{4E431C69-9891-7DAA-0482-4C2FDFF65437}"/>
+                <a16:creationId xmlns:a16="http://schemas.microsoft.com/office/drawing/2014/main" id="{EB291370-1B20-7C0F-82F7-CB463B745640}"/>
               </a:ext>
             </a:extLst>
           </p:cNvPr>
@@ -2801,7 +2801,7 @@
           <p:cNvPr id="3" name="文本占位符 2">
             <a:extLst>
               <a:ext uri="{FF2B5EF4-FFF2-40B4-BE49-F238E27FC236}">
-                <a16:creationId xmlns:a16="http://schemas.microsoft.com/office/drawing/2014/main" id="{0025B3FA-31B5-7363-586A-479AB3843CC2}"/>
+                <a16:creationId xmlns:a16="http://schemas.microsoft.com/office/drawing/2014/main" id="{65028D9D-4280-D082-3AD7-3B587A41807D}"/>
               </a:ext>
             </a:extLst>
           </p:cNvPr>
@@ -2868,7 +2868,7 @@
           <p:cNvPr id="4" name="日期占位符 3">
             <a:extLst>
               <a:ext uri="{FF2B5EF4-FFF2-40B4-BE49-F238E27FC236}">
-                <a16:creationId xmlns:a16="http://schemas.microsoft.com/office/drawing/2014/main" id="{ACA59D2D-ECC0-8F1A-1947-A97E007EA116}"/>
+                <a16:creationId xmlns:a16="http://schemas.microsoft.com/office/drawing/2014/main" id="{05EA67B6-1506-87AA-E1D9-FAE579CFAF6B}"/>
               </a:ext>
             </a:extLst>
           </p:cNvPr>
@@ -2902,7 +2902,7 @@
             </a:lvl1pPr>
           </a:lstStyle>
           <a:p>
-            <a:fld id="{4C7F4836-609C-4EDC-808E-59C368ABA240}" type="datetimeFigureOut">
+            <a:fld id="{C6A9849B-DF5D-43FA-B684-BA8746B1768C}" type="datetimeFigureOut">
               <a:rPr lang="zh-CN" altLang="en-US" smtClean="0"/>
               <a:t>2024/3/10</a:t>
             </a:fld>
@@ -2915,7 +2915,7 @@
           <p:cNvPr id="5" name="页脚占位符 4">
             <a:extLst>
               <a:ext uri="{FF2B5EF4-FFF2-40B4-BE49-F238E27FC236}">
-                <a16:creationId xmlns:a16="http://schemas.microsoft.com/office/drawing/2014/main" id="{B473AFB7-474E-E014-4241-473DD86AE851}"/>
+                <a16:creationId xmlns:a16="http://schemas.microsoft.com/office/drawing/2014/main" id="{C265983B-BFDB-7BAD-2EF3-CF9F2D94FB2F}"/>
               </a:ext>
             </a:extLst>
           </p:cNvPr>
@@ -2958,7 +2958,7 @@
           <p:cNvPr id="6" name="灯片编号占位符 5">
             <a:extLst>
               <a:ext uri="{FF2B5EF4-FFF2-40B4-BE49-F238E27FC236}">
-                <a16:creationId xmlns:a16="http://schemas.microsoft.com/office/drawing/2014/main" id="{919B6C36-EF3A-43B1-7CBA-D960D108F8F3}"/>
+                <a16:creationId xmlns:a16="http://schemas.microsoft.com/office/drawing/2014/main" id="{0A69266F-B5F7-7F7A-6646-44056F6E47D5}"/>
               </a:ext>
             </a:extLst>
           </p:cNvPr>
@@ -2992,7 +2992,7 @@
             </a:lvl1pPr>
           </a:lstStyle>
           <a:p>
-            <a:fld id="{C389AA8D-E2C8-4317-9B3C-E30D7EBA0A79}" type="slidenum">
+            <a:fld id="{AA08E4B8-2555-456D-8651-FBFF365514FB}" type="slidenum">
               <a:rPr lang="zh-CN" altLang="en-US" smtClean="0"/>
               <a:t>‹#›</a:t>
             </a:fld>
@@ -3003,7 +3003,7 @@
     </p:spTree>
     <p:extLst>
       <p:ext uri="{BB962C8B-B14F-4D97-AF65-F5344CB8AC3E}">
-        <p14:creationId xmlns:p14="http://schemas.microsoft.com/office/powerpoint/2010/main" val="3964208411"/>
+        <p14:creationId xmlns:p14="http://schemas.microsoft.com/office/powerpoint/2010/main" val="2415166307"/>
       </p:ext>
     </p:extLst>
   </p:cSld>
@@ -3323,7 +3323,7 @@
       </p:grpSpPr>
       <p:pic>
         <p:nvPicPr>
-          <p:cNvPr id="1071106" name="Picture 2" descr="1045"/>
+          <p:cNvPr id="1072130" name="Picture 2" descr="1046"/>
           <p:cNvPicPr>
             <a:picLocks noChangeAspect="1" noChangeArrowheads="1"/>
           </p:cNvPicPr>
@@ -3344,8 +3344,8 @@
         </p:blipFill>
         <p:spPr bwMode="auto">
           <a:xfrm>
-            <a:off x="1524001" y="0"/>
-            <a:ext cx="9053513" cy="6789738"/>
+            <a:off x="1524000" y="1"/>
+            <a:ext cx="9124950" cy="6843713"/>
           </a:xfrm>
           <a:prstGeom prst="rect">
             <a:avLst/>
